--- a/2021-04-12to04-16 (A5) C53517 SoftMARS/30_09v01_MarsBaseAlpha_FinalFindings.pptx
+++ b/2021-04-12to04-16 (A5) C53517 SoftMARS/30_09v01_MarsBaseAlpha_FinalFindings.pptx
@@ -297,7 +297,7 @@
           <a:p>
             <a:fld id="{F319E496-E8FF-4856-B08F-DBE14D18B236}" type="datetimeFigureOut">
               <a:rPr lang="en-US" smtClean="0"/>
-              <a:t>6/7/2021</a:t>
+              <a:t>6/11/2021</a:t>
             </a:fld>
             <a:endParaRPr lang="en-US"/>
           </a:p>
@@ -474,7 +474,7 @@
           <a:p>
             <a:fld id="{4572F63B-EF0F-9942-98B2-F67CC88AF236}" type="datetimeFigureOut">
               <a:rPr lang="en-US" smtClean="0"/>
-              <a:t>6/7/2021</a:t>
+              <a:t>6/11/2021</a:t>
             </a:fld>
             <a:endParaRPr lang="en-US"/>
           </a:p>
@@ -13071,10 +13071,10 @@
           <a:p>
             <a:pPr algn="ctr" eaLnBrk="1" hangingPunct="1"/>
             <a:r>
-              <a:rPr lang="en-ZA" altLang="zh-CN" sz="2000" dirty="0">
+              <a:rPr lang="en-GB" altLang="zh-CN" sz="2000" dirty="0">
                 <a:latin typeface="+mn-lt"/>
               </a:rPr>
-              <a:t>It is a pleasure and an honour to be here with you today. We are now looking forward to present to you your final findings. </a:t>
+              <a:t>It is a pleasure and an honour to be here with you today. We are now looking forward to presenting to you the final findings.</a:t>
             </a:r>
           </a:p>
           <a:p>
@@ -18853,7 +18853,7 @@
         </p:spPr>
         <p:txBody>
           <a:bodyPr>
-            <a:normAutofit fontScale="55000" lnSpcReduction="20000"/>
+            <a:normAutofit fontScale="62500" lnSpcReduction="20000"/>
           </a:bodyPr>
           <a:lstStyle/>
           <a:p>
@@ -18861,7 +18861,7 @@
               <a:buNone/>
             </a:pPr>
             <a:r>
-              <a:rPr lang="en-ZA" sz="2300" dirty="0"/>
+              <a:rPr lang="en-ZA" sz="2000" dirty="0"/>
               <a:t>On being rated</a:t>
             </a:r>
           </a:p>
@@ -18870,18 +18870,18 @@
               <a:buNone/>
             </a:pPr>
             <a:r>
-              <a:rPr lang="en-ZA" sz="5100" b="1" dirty="0">
+              <a:rPr lang="en-ZA" sz="4800" b="1" dirty="0">
                 <a:ea typeface="+mj-ea"/>
                 <a:cs typeface="+mj-cs"/>
               </a:rPr>
               <a:t>Maturity</a:t>
             </a:r>
             <a:r>
-              <a:rPr lang="en-ZA" sz="4600" dirty="0"/>
+              <a:rPr lang="en-ZA" sz="4400" dirty="0"/>
               <a:t> </a:t>
             </a:r>
             <a:r>
-              <a:rPr lang="en-ZA" sz="5100" b="1" dirty="0">
+              <a:rPr lang="en-ZA" sz="4800" b="1" dirty="0">
                 <a:ea typeface="+mj-ea"/>
                 <a:cs typeface="+mj-cs"/>
               </a:rPr>
@@ -18893,15 +18893,31 @@
               <a:buNone/>
             </a:pPr>
             <a:r>
-              <a:rPr lang="zh-CN" altLang="en-US" sz="3300" dirty="0">
-                <a:solidFill>
-                  <a:srgbClr val="1F497D"/>
-                </a:solidFill>
-              </a:rPr>
-              <a:t>恭喜贵公司达成成熟度</a:t>
-            </a:r>
-            <a:r>
-              <a:rPr lang="en-US" altLang="zh-CN" sz="3300" dirty="0">
+              <a:rPr lang="zh-CN" altLang="en-US" sz="3200" dirty="0">
+                <a:solidFill>
+                  <a:srgbClr val="1F497D"/>
+                </a:solidFill>
+              </a:rPr>
+              <a:t>恭喜贵公司顺利通过</a:t>
+            </a:r>
+            <a:r>
+              <a:rPr lang="en-US" altLang="zh-CN" sz="3200" dirty="0">
+                <a:solidFill>
+                  <a:srgbClr val="1F497D"/>
+                </a:solidFill>
+              </a:rPr>
+              <a:t>CMMI</a:t>
+            </a:r>
+            <a:r>
+              <a:rPr lang="zh-CN" altLang="en-US" sz="3200" dirty="0">
+                <a:solidFill>
+                  <a:srgbClr val="1F497D"/>
+                </a:solidFill>
+              </a:rPr>
+              <a:t>成熟度</a:t>
+            </a:r>
+            <a:r>
+              <a:rPr lang="en-US" altLang="zh-CN" sz="3200" dirty="0">
                 <a:solidFill>
                   <a:srgbClr val="1F497D"/>
                 </a:solidFill>
@@ -18909,40 +18925,43 @@
               <a:t>5</a:t>
             </a:r>
             <a:r>
-              <a:rPr lang="zh-CN" altLang="en-US" sz="3300" dirty="0">
-                <a:solidFill>
-                  <a:srgbClr val="1F497D"/>
-                </a:solidFill>
-              </a:rPr>
-              <a:t>级评估！！！</a:t>
-            </a:r>
-            <a:endParaRPr lang="en-ZA" sz="3300" dirty="0">
-              <a:solidFill>
-                <a:srgbClr val="1F497D"/>
-              </a:solidFill>
-            </a:endParaRPr>
+              <a:rPr lang="zh-CN" altLang="en-US" sz="3200" dirty="0">
+                <a:solidFill>
+                  <a:srgbClr val="1F497D"/>
+                </a:solidFill>
+              </a:rPr>
+              <a:t>级评估</a:t>
+            </a:r>
           </a:p>
           <a:p>
             <a:pPr marL="0" indent="0" algn="just">
               <a:buNone/>
             </a:pPr>
             <a:r>
-              <a:rPr lang="en-ZA" sz="2100" b="1" u="sng" dirty="0"/>
+              <a:rPr lang="en-ZA" sz="2000" b="1" u="sng" dirty="0"/>
               <a:t>Note: </a:t>
             </a:r>
             <a:r>
-              <a:rPr lang="zh-CN" altLang="en-US" sz="2100" b="1" u="sng" dirty="0"/>
+              <a:rPr lang="zh-CN" altLang="en-US" sz="2000" b="1" u="sng" dirty="0"/>
               <a:t>注：</a:t>
             </a:r>
-            <a:endParaRPr lang="en-ZA" sz="2100" b="1" u="sng" dirty="0"/>
+            <a:endParaRPr lang="en-ZA" sz="2000" b="1" u="sng" dirty="0"/>
           </a:p>
           <a:p>
             <a:pPr marL="0" indent="0" algn="just">
               <a:buNone/>
             </a:pPr>
             <a:r>
-              <a:rPr lang="en-ZA" dirty="0"/>
-              <a:t>Before the results of this appraisal become public record, e.g., announced in a press release or on an organization’s public Web site, or used in response to a request for proposal, the appraisal must first be accepted by the CMMI Institute. </a:t>
+              <a:rPr lang="en-ZA" sz="2400" dirty="0"/>
+              <a:t>Before the results of this appraisal become public record, e.g., announced in a press release or on an organization’s public Web site, or used in response to a request for proposal, the appraisal must first be accepted by the </a:t>
+            </a:r>
+            <a:r>
+              <a:rPr lang="en-ZA" sz="2400" dirty="0" err="1"/>
+              <a:t>ISACA</a:t>
+            </a:r>
+            <a:r>
+              <a:rPr lang="en-ZA" sz="2400" dirty="0"/>
+              <a:t> CMMI quality team. </a:t>
             </a:r>
           </a:p>
           <a:p>
@@ -18953,50 +18972,69 @@
               <a:buNone/>
             </a:pPr>
             <a:r>
-              <a:rPr lang="zh-CN" altLang="en-US" sz="3300" dirty="0">
-                <a:solidFill>
-                  <a:srgbClr val="1F497D"/>
-                </a:solidFill>
-              </a:rPr>
-              <a:t>在评估结果正式公开之前，例如在新闻稿或公司官网上公开，或将其用于请求建议书的响应之前，该评估须首先被</a:t>
-            </a:r>
-            <a:r>
-              <a:rPr lang="en-US" altLang="zh-CN" sz="3300" dirty="0">
-                <a:solidFill>
-                  <a:srgbClr val="1F497D"/>
-                </a:solidFill>
-              </a:rPr>
-              <a:t>CMMI</a:t>
-            </a:r>
-            <a:r>
-              <a:rPr lang="zh-CN" altLang="en-US" sz="3300" dirty="0">
-                <a:solidFill>
-                  <a:srgbClr val="1F497D"/>
-                </a:solidFill>
-              </a:rPr>
-              <a:t>机构认可。</a:t>
-            </a:r>
-            <a:endParaRPr lang="en-ZA" sz="3300" dirty="0">
-              <a:solidFill>
-                <a:srgbClr val="1F497D"/>
-              </a:solidFill>
-            </a:endParaRPr>
+              <a:rPr lang="zh-CN" altLang="en-US" sz="3200" dirty="0">
+                <a:solidFill>
+                  <a:srgbClr val="1F497D"/>
+                </a:solidFill>
+              </a:rPr>
+              <a:t>在评估结果正式公开之前，例如在新闻稿或公司官网上公开，或将其用于响应请求建议书之前，该评估须首先被</a:t>
+            </a:r>
+            <a:r>
+              <a:rPr lang="en-US" altLang="zh-CN" sz="3200" dirty="0" err="1">
+                <a:solidFill>
+                  <a:srgbClr val="1F497D"/>
+                </a:solidFill>
+              </a:rPr>
+              <a:t>ISACA</a:t>
+            </a:r>
+            <a:r>
+              <a:rPr lang="en-US" altLang="zh-CN" sz="3200" dirty="0">
+                <a:solidFill>
+                  <a:srgbClr val="1F497D"/>
+                </a:solidFill>
+              </a:rPr>
+              <a:t> CMMI </a:t>
+            </a:r>
+            <a:r>
+              <a:rPr lang="zh-CN" altLang="en-US" sz="3200" dirty="0">
+                <a:solidFill>
+                  <a:srgbClr val="1F497D"/>
+                </a:solidFill>
+              </a:rPr>
+              <a:t>质量团队认可</a:t>
+            </a:r>
           </a:p>
           <a:p>
             <a:pPr marL="0" indent="0" algn="just">
               <a:buNone/>
             </a:pPr>
             <a:r>
-              <a:rPr lang="en-ZA" dirty="0"/>
+              <a:rPr lang="en-ZA" sz="2400" dirty="0"/>
               <a:t>This can take up to </a:t>
             </a:r>
             <a:r>
-              <a:rPr lang="en-ZA" b="1" dirty="0"/>
+              <a:rPr lang="en-ZA" sz="2400" b="1" dirty="0"/>
               <a:t>8 weeks </a:t>
             </a:r>
             <a:r>
-              <a:rPr lang="en-ZA" dirty="0"/>
-              <a:t>from the time that the appraisal results are submitted to the CMMI institute for review. Results are submitted to the CMMI institute typically within 4-6 working days after the final findings presentation has been made.</a:t>
+              <a:rPr lang="en-ZA" sz="2400" dirty="0"/>
+              <a:t>from the time that the appraisal results are submitted to the </a:t>
+            </a:r>
+            <a:r>
+              <a:rPr lang="en-ZA" sz="2400" dirty="0" err="1"/>
+              <a:t>ISACA</a:t>
+            </a:r>
+            <a:r>
+              <a:rPr lang="en-ZA" sz="2400" dirty="0"/>
+              <a:t> CMMI quality team for review. Results are submitted to the </a:t>
+            </a:r>
+            <a:r>
+              <a:rPr lang="en-ZA" sz="2400" dirty="0" err="1"/>
+              <a:t>ISACA</a:t>
+            </a:r>
+            <a:r>
+              <a:rPr lang="en-ZA" sz="2400" dirty="0"/>
+              <a:t> CMMI quality team typically within 4-6 working days after the final findings presentation has been made.</a:t>
             </a:r>
           </a:p>
           <a:p>
@@ -19007,7 +19045,7 @@
               <a:buNone/>
             </a:pPr>
             <a:r>
-              <a:rPr lang="zh-CN" altLang="en-US" sz="3400" dirty="0">
+              <a:rPr lang="zh-CN" altLang="en-US" sz="3200" dirty="0">
                 <a:solidFill>
                   <a:srgbClr val="1F497D"/>
                 </a:solidFill>
@@ -19015,23 +19053,31 @@
               <a:t>从将评估结果提交给</a:t>
             </a:r>
             <a:r>
-              <a:rPr lang="en-US" altLang="zh-CN" sz="3400" dirty="0">
-                <a:solidFill>
-                  <a:srgbClr val="1F497D"/>
-                </a:solidFill>
-              </a:rPr>
-              <a:t>CMMI</a:t>
-            </a:r>
-            <a:r>
-              <a:rPr lang="zh-CN" altLang="en-US" sz="3400" dirty="0">
-                <a:solidFill>
-                  <a:srgbClr val="1F497D"/>
-                </a:solidFill>
-              </a:rPr>
-              <a:t>机构起，最长可能需要</a:t>
-            </a:r>
-            <a:r>
-              <a:rPr lang="en-US" altLang="zh-CN" sz="3400" dirty="0">
+              <a:rPr lang="en-US" altLang="zh-CN" sz="3200" dirty="0" err="1">
+                <a:solidFill>
+                  <a:srgbClr val="1F497D"/>
+                </a:solidFill>
+              </a:rPr>
+              <a:t>ISACA</a:t>
+            </a:r>
+            <a:r>
+              <a:rPr lang="en-US" altLang="zh-CN" sz="3200" dirty="0">
+                <a:solidFill>
+                  <a:srgbClr val="1F497D"/>
+                </a:solidFill>
+              </a:rPr>
+              <a:t> CMMI</a:t>
+            </a:r>
+            <a:r>
+              <a:rPr lang="zh-CN" altLang="en-US" sz="3200" dirty="0">
+                <a:solidFill>
+                  <a:srgbClr val="1F497D"/>
+                </a:solidFill>
+              </a:rPr>
+              <a:t>质量团队起，最长可能需要</a:t>
+            </a:r>
+            <a:r>
+              <a:rPr lang="en-US" altLang="zh-CN" sz="3200" dirty="0">
                 <a:solidFill>
                   <a:srgbClr val="1F497D"/>
                 </a:solidFill>
@@ -19039,7 +19085,7 @@
               <a:t>8</a:t>
             </a:r>
             <a:r>
-              <a:rPr lang="zh-CN" altLang="en-US" sz="3400" dirty="0">
+              <a:rPr lang="zh-CN" altLang="en-US" sz="3200" dirty="0">
                 <a:solidFill>
                   <a:srgbClr val="1F497D"/>
                 </a:solidFill>
@@ -19047,7 +19093,7 @@
               <a:t>周进行审核。通常在完成最终发现展示后的</a:t>
             </a:r>
             <a:r>
-              <a:rPr lang="en-US" altLang="zh-CN" sz="3400" dirty="0">
+              <a:rPr lang="en-US" altLang="zh-CN" sz="3200" dirty="0">
                 <a:solidFill>
                   <a:srgbClr val="1F497D"/>
                 </a:solidFill>
@@ -19055,7 +19101,7 @@
               <a:t>4-6</a:t>
             </a:r>
             <a:r>
-              <a:rPr lang="zh-CN" altLang="en-US" sz="3400" dirty="0">
+              <a:rPr lang="zh-CN" altLang="en-US" sz="3200" dirty="0">
                 <a:solidFill>
                   <a:srgbClr val="1F497D"/>
                 </a:solidFill>
@@ -19063,26 +19109,29 @@
               <a:t>个工作日内，评估结果会提交给</a:t>
             </a:r>
             <a:r>
-              <a:rPr lang="en-US" altLang="zh-CN" sz="3400" dirty="0">
-                <a:solidFill>
-                  <a:srgbClr val="1F497D"/>
-                </a:solidFill>
-              </a:rPr>
-              <a:t>CMMI</a:t>
-            </a:r>
-            <a:r>
-              <a:rPr lang="zh-CN" altLang="en-US" sz="3400" dirty="0">
-                <a:solidFill>
-                  <a:srgbClr val="1F497D"/>
-                </a:solidFill>
-              </a:rPr>
-              <a:t>机构。</a:t>
-            </a:r>
-            <a:endParaRPr lang="en-ZA" sz="3400" dirty="0">
-              <a:solidFill>
-                <a:srgbClr val="1F497D"/>
-              </a:solidFill>
-            </a:endParaRPr>
+              <a:rPr lang="en-US" altLang="zh-CN" sz="3200" dirty="0" err="1">
+                <a:solidFill>
+                  <a:srgbClr val="1F497D"/>
+                </a:solidFill>
+              </a:rPr>
+              <a:t>ISACA</a:t>
+            </a:r>
+            <a:r>
+              <a:rPr lang="en-US" altLang="zh-CN" sz="3200" dirty="0">
+                <a:solidFill>
+                  <a:srgbClr val="1F497D"/>
+                </a:solidFill>
+              </a:rPr>
+              <a:t> CMMI</a:t>
+            </a:r>
+            <a:r>
+              <a:rPr lang="zh-CN" altLang="en-US" sz="3200" dirty="0">
+                <a:solidFill>
+                  <a:srgbClr val="1F497D"/>
+                </a:solidFill>
+              </a:rPr>
+              <a:t>质量团队。</a:t>
+            </a:r>
           </a:p>
         </p:txBody>
       </p:sp>
@@ -20426,25 +20475,25 @@
           <p:nvPr>
             <p:extLst>
               <p:ext uri="{D42A27DB-BD31-4B8C-83A1-F6EECF244321}">
-                <p14:modId xmlns:p14="http://schemas.microsoft.com/office/powerpoint/2010/main" val="792490191"/>
+                <p14:modId xmlns:p14="http://schemas.microsoft.com/office/powerpoint/2010/main" val="564749645"/>
               </p:ext>
             </p:extLst>
           </p:nvPr>
         </p:nvGraphicFramePr>
         <p:xfrm>
-          <a:off x="1055688" y="2060575"/>
-          <a:ext cx="9239250" cy="1822450"/>
+          <a:off x="1189038" y="2047875"/>
+          <a:ext cx="8970962" cy="1849438"/>
         </p:xfrm>
         <a:graphic>
           <a:graphicData uri="http://schemas.openxmlformats.org/presentationml/2006/ole">
             <mc:AlternateContent xmlns:mc="http://schemas.openxmlformats.org/markup-compatibility/2006">
               <mc:Choice xmlns:v="urn:schemas-microsoft-com:vml" Requires="v">
-                <p:oleObj name="Macro-Enabled Worksheet" r:id="rId2" imgW="9083182" imgH="1821117" progId="Excel.SheetMacroEnabled.12">
+                <p:oleObj name="Macro-Enabled Worksheet" r:id="rId2" imgW="8820263" imgH="1847986" progId="Excel.SheetMacroEnabled.12">
                   <p:link updateAutomatic="1"/>
                 </p:oleObj>
               </mc:Choice>
               <mc:Fallback>
-                <p:oleObj name="Macro-Enabled Worksheet" r:id="rId2" imgW="9083182" imgH="1821117" progId="Excel.SheetMacroEnabled.12">
+                <p:oleObj name="Macro-Enabled Worksheet" r:id="rId2" imgW="8820263" imgH="1847986" progId="Excel.SheetMacroEnabled.12">
                   <p:link updateAutomatic="1"/>
                   <p:pic>
                     <p:nvPicPr>
@@ -20460,8 +20509,8 @@
                     </p:blipFill>
                     <p:spPr>
                       <a:xfrm>
-                        <a:off x="1055688" y="2060575"/>
-                        <a:ext cx="9239250" cy="1822450"/>
+                        <a:off x="1189038" y="2047875"/>
+                        <a:ext cx="8970962" cy="1849438"/>
                       </a:xfrm>
                       <a:prstGeom prst="rect">
                         <a:avLst/>
@@ -20813,74 +20862,6 @@
       </p:sp>
       <p:sp>
         <p:nvSpPr>
-          <p:cNvPr id="9" name="Rectangle 3"/>
-          <p:cNvSpPr>
-            <a:spLocks noChangeArrowheads="1"/>
-          </p:cNvSpPr>
-          <p:nvPr/>
-        </p:nvSpPr>
-        <p:spPr bwMode="auto">
-          <a:xfrm>
-            <a:off x="2406929" y="5741690"/>
-            <a:ext cx="8077200" cy="430887"/>
-          </a:xfrm>
-          <a:prstGeom prst="rect">
-            <a:avLst/>
-          </a:prstGeom>
-          <a:noFill/>
-          <a:ln w="9525">
-            <a:noFill/>
-            <a:miter lim="800000"/>
-            <a:headEnd/>
-            <a:tailEnd/>
-          </a:ln>
-        </p:spPr>
-        <p:txBody>
-          <a:bodyPr wrap="square" lIns="0" tIns="0" rIns="0" bIns="0">
-            <a:spAutoFit/>
-          </a:bodyPr>
-          <a:lstStyle/>
-          <a:p>
-            <a:pPr defTabSz="1027113"/>
-            <a:r>
-              <a:rPr lang="en-US" sz="1400" dirty="0">
-                <a:solidFill>
-                  <a:schemeClr val="tx2"/>
-                </a:solidFill>
-                <a:hlinkClick r:id="rId3"/>
-              </a:rPr>
-              <a:t>Source for IDEAL: </a:t>
-            </a:r>
-            <a:r>
-              <a:rPr lang="en-US" sz="1400" dirty="0">
-                <a:solidFill>
-                  <a:schemeClr val="tx2"/>
-                </a:solidFill>
-                <a:hlinkClick r:id="rId4"/>
-              </a:rPr>
-              <a:t>http://www.sei.cmu.edu/library/assets/idealmodel.pdf</a:t>
-            </a:r>
-            <a:r>
-              <a:rPr lang="en-US" sz="1400" dirty="0">
-                <a:solidFill>
-                  <a:schemeClr val="tx2"/>
-                </a:solidFill>
-              </a:rPr>
-              <a:t> </a:t>
-            </a:r>
-          </a:p>
-          <a:p>
-            <a:pPr defTabSz="1027113"/>
-            <a:endParaRPr lang="en-US" sz="1400" dirty="0">
-              <a:solidFill>
-                <a:schemeClr val="tx2"/>
-              </a:solidFill>
-            </a:endParaRPr>
-          </a:p>
-        </p:txBody>
-      </p:sp>
-      <p:sp>
-        <p:nvSpPr>
           <p:cNvPr id="13" name="Title 1"/>
           <p:cNvSpPr txBox="1">
             <a:spLocks/>
@@ -21142,12 +21123,12 @@
           <a:graphicData uri="http://schemas.openxmlformats.org/presentationml/2006/ole">
             <mc:AlternateContent xmlns:mc="http://schemas.openxmlformats.org/markup-compatibility/2006">
               <mc:Choice xmlns:v="urn:schemas-microsoft-com:vml" Requires="v">
-                <p:oleObj name="Macro-Enabled Worksheet" r:id="rId5" imgW="2941391" imgH="693577" progId="Excel.SheetMacroEnabled.12">
+                <p:oleObj name="Macro-Enabled Worksheet" r:id="rId3" imgW="2941391" imgH="693577" progId="Excel.SheetMacroEnabled.12">
                   <p:link updateAutomatic="1"/>
                 </p:oleObj>
               </mc:Choice>
               <mc:Fallback>
-                <p:oleObj name="Macro-Enabled Worksheet" r:id="rId5" imgW="2941391" imgH="693577" progId="Excel.SheetMacroEnabled.12">
+                <p:oleObj name="Macro-Enabled Worksheet" r:id="rId3" imgW="2941391" imgH="693577" progId="Excel.SheetMacroEnabled.12">
                   <p:link updateAutomatic="1"/>
                   <p:pic>
                     <p:nvPicPr>
@@ -21156,7 +21137,7 @@
                       <p:nvPr/>
                     </p:nvPicPr>
                     <p:blipFill>
-                      <a:blip r:embed="rId6"/>
+                      <a:blip r:embed="rId4"/>
                       <a:stretch>
                         <a:fillRect/>
                       </a:stretch>
@@ -21177,6 +21158,71 @@
           </a:graphicData>
         </a:graphic>
       </p:graphicFrame>
+      <p:sp>
+        <p:nvSpPr>
+          <p:cNvPr id="11" name="Rectangle 3">
+            <a:extLst>
+              <a:ext uri="{FF2B5EF4-FFF2-40B4-BE49-F238E27FC236}">
+                <a16:creationId xmlns:a16="http://schemas.microsoft.com/office/drawing/2014/main" id="{8595402B-6A67-487D-BE45-48413B9C755B}"/>
+              </a:ext>
+            </a:extLst>
+          </p:cNvPr>
+          <p:cNvSpPr>
+            <a:spLocks noChangeArrowheads="1"/>
+          </p:cNvSpPr>
+          <p:nvPr/>
+        </p:nvSpPr>
+        <p:spPr bwMode="auto">
+          <a:xfrm>
+            <a:off x="2559329" y="5894090"/>
+            <a:ext cx="8077200" cy="430887"/>
+          </a:xfrm>
+          <a:prstGeom prst="rect">
+            <a:avLst/>
+          </a:prstGeom>
+          <a:noFill/>
+          <a:ln w="9525">
+            <a:noFill/>
+            <a:miter lim="800000"/>
+            <a:headEnd/>
+            <a:tailEnd/>
+          </a:ln>
+        </p:spPr>
+        <p:txBody>
+          <a:bodyPr wrap="square" lIns="0" tIns="0" rIns="0" bIns="0">
+            <a:spAutoFit/>
+          </a:bodyPr>
+          <a:lstStyle/>
+          <a:p>
+            <a:pPr defTabSz="1027113"/>
+            <a:r>
+              <a:rPr lang="en-US" sz="1400" dirty="0">
+                <a:solidFill>
+                  <a:schemeClr val="tx2"/>
+                </a:solidFill>
+                <a:hlinkClick r:id="rId5"/>
+              </a:rPr>
+              <a:t>The IDEAL Model</a:t>
+            </a:r>
+            <a:r>
+              <a:rPr lang="en-US" sz="1400" dirty="0">
+                <a:solidFill>
+                  <a:schemeClr val="tx2"/>
+                </a:solidFill>
+              </a:rPr>
+              <a:t> </a:t>
+            </a:r>
+          </a:p>
+          <a:p>
+            <a:pPr defTabSz="1027113"/>
+            <a:endParaRPr lang="en-US" sz="1400" dirty="0">
+              <a:solidFill>
+                <a:schemeClr val="tx2"/>
+              </a:solidFill>
+            </a:endParaRPr>
+          </a:p>
+        </p:txBody>
+      </p:sp>
     </p:spTree>
     <p:extLst>
       <p:ext uri="{BB962C8B-B14F-4D97-AF65-F5344CB8AC3E}">

--- a/2021-04-12to04-16 (A5) C53517 SoftMARS/30_09v01_MarsBaseAlpha_FinalFindings.pptx
+++ b/2021-04-12to04-16 (A5) C53517 SoftMARS/30_09v01_MarsBaseAlpha_FinalFindings.pptx
@@ -297,7 +297,7 @@
           <a:p>
             <a:fld id="{F319E496-E8FF-4856-B08F-DBE14D18B236}" type="datetimeFigureOut">
               <a:rPr lang="en-US" smtClean="0"/>
-              <a:t>6/11/2021</a:t>
+              <a:t>7/12/2021</a:t>
             </a:fld>
             <a:endParaRPr lang="en-US"/>
           </a:p>
@@ -474,7 +474,7 @@
           <a:p>
             <a:fld id="{4572F63B-EF0F-9942-98B2-F67CC88AF236}" type="datetimeFigureOut">
               <a:rPr lang="en-US" smtClean="0"/>
-              <a:t>6/11/2021</a:t>
+              <a:t>7/12/2021</a:t>
             </a:fld>
             <a:endParaRPr lang="en-US"/>
           </a:p>
@@ -2119,7 +2119,7 @@
               </a14:hiddenLine>
             </a:ext>
             <a:ext uri="{FAA26D3D-D897-4be2-8F04-BA451C77F1D7}">
-              <ma14:placeholderFlag xmlns:ma14="http://schemas.microsoft.com/office/mac/drawingml/2011/main" xmlns="" val="1"/>
+              <ma14:placeholderFlag xmlns="" xmlns:ma14="http://schemas.microsoft.com/office/mac/drawingml/2011/main" val="1"/>
             </a:ext>
           </a:extLst>
         </p:spPr>
@@ -2373,7 +2373,7 @@
               </a14:hiddenLine>
             </a:ext>
             <a:ext uri="{FAA26D3D-D897-4be2-8F04-BA451C77F1D7}">
-              <ma14:placeholderFlag xmlns:ma14="http://schemas.microsoft.com/office/mac/drawingml/2011/main" xmlns="" val="1"/>
+              <ma14:placeholderFlag xmlns="" xmlns:ma14="http://schemas.microsoft.com/office/mac/drawingml/2011/main" val="1"/>
             </a:ext>
           </a:extLst>
         </p:spPr>
@@ -2627,7 +2627,7 @@
               </a14:hiddenLine>
             </a:ext>
             <a:ext uri="{FAA26D3D-D897-4be2-8F04-BA451C77F1D7}">
-              <ma14:placeholderFlag xmlns:ma14="http://schemas.microsoft.com/office/mac/drawingml/2011/main" xmlns="" val="1"/>
+              <ma14:placeholderFlag xmlns="" xmlns:ma14="http://schemas.microsoft.com/office/mac/drawingml/2011/main" val="1"/>
             </a:ext>
           </a:extLst>
         </p:spPr>
@@ -3176,7 +3176,7 @@
               </a14:hiddenLine>
             </a:ext>
             <a:ext uri="{FAA26D3D-D897-4be2-8F04-BA451C77F1D7}">
-              <ma14:placeholderFlag xmlns:ma14="http://schemas.microsoft.com/office/mac/drawingml/2011/main" xmlns="" val="1"/>
+              <ma14:placeholderFlag xmlns="" xmlns:ma14="http://schemas.microsoft.com/office/mac/drawingml/2011/main" val="1"/>
             </a:ext>
           </a:extLst>
         </p:spPr>
@@ -5565,7 +5565,7 @@
         <p:spPr>
           <a:xfrm>
             <a:off x="0" y="0"/>
-            <a:ext cx="9994900" cy="908049"/>
+            <a:ext cx="12192000" cy="908049"/>
           </a:xfrm>
           <a:prstGeom prst="rect">
             <a:avLst/>
@@ -5614,95 +5614,6 @@
           </a:p>
         </p:txBody>
       </p:sp>
-      <p:pic>
-        <p:nvPicPr>
-          <p:cNvPr id="9" name="Picture 2">
-            <a:extLst>
-              <a:ext uri="{FF2B5EF4-FFF2-40B4-BE49-F238E27FC236}">
-                <a16:creationId xmlns:a16="http://schemas.microsoft.com/office/drawing/2014/main" id="{BE68F727-B9D3-4EEB-AB8B-1CED172E44AF}"/>
-              </a:ext>
-            </a:extLst>
-          </p:cNvPr>
-          <p:cNvPicPr>
-            <a:picLocks noChangeAspect="1" noChangeArrowheads="1"/>
-          </p:cNvPicPr>
-          <p:nvPr userDrawn="1"/>
-        </p:nvPicPr>
-        <p:blipFill>
-          <a:blip r:embed="rId16" cstate="print">
-            <a:extLst>
-              <a:ext uri="{28A0092B-C50C-407E-A947-70E740481C1C}">
-                <a14:useLocalDpi xmlns:a14="http://schemas.microsoft.com/office/drawing/2010/main" val="0"/>
-              </a:ext>
-            </a:extLst>
-          </a:blip>
-          <a:srcRect/>
-          <a:stretch>
-            <a:fillRect/>
-          </a:stretch>
-        </p:blipFill>
-        <p:spPr bwMode="auto">
-          <a:xfrm>
-            <a:off x="9443258" y="0"/>
-            <a:ext cx="2748742" cy="908049"/>
-          </a:xfrm>
-          <a:prstGeom prst="rect">
-            <a:avLst/>
-          </a:prstGeom>
-          <a:noFill/>
-          <a:ln>
-            <a:noFill/>
-          </a:ln>
-          <a:extLst>
-            <a:ext uri="{909E8E84-426E-40dd-AFC4-6F175D3DCCD1}">
-              <a14:hiddenFill xmlns:a14="http://schemas.microsoft.com/office/drawing/2010/main" xmlns="">
-                <a:solidFill>
-                  <a:schemeClr val="accent1"/>
-                </a:solidFill>
-              </a14:hiddenFill>
-            </a:ext>
-            <a:ext uri="{91240B29-F687-4f45-9708-019B960494DF}">
-              <a14:hiddenLine xmlns:a14="http://schemas.microsoft.com/office/drawing/2010/main" xmlns="" w="9525">
-                <a:solidFill>
-                  <a:schemeClr val="tx1"/>
-                </a:solidFill>
-                <a:miter lim="800000"/>
-                <a:headEnd/>
-                <a:tailEnd/>
-              </a14:hiddenLine>
-            </a:ext>
-          </a:extLst>
-        </p:spPr>
-      </p:pic>
-      <p:pic>
-        <p:nvPicPr>
-          <p:cNvPr id="10" name="Picture 9">
-            <a:extLst>
-              <a:ext uri="{FF2B5EF4-FFF2-40B4-BE49-F238E27FC236}">
-                <a16:creationId xmlns:a16="http://schemas.microsoft.com/office/drawing/2014/main" id="{CE7317E6-2BC9-4091-BF20-ABBFE08BE115}"/>
-              </a:ext>
-            </a:extLst>
-          </p:cNvPr>
-          <p:cNvPicPr>
-            <a:picLocks noChangeAspect="1"/>
-          </p:cNvPicPr>
-          <p:nvPr userDrawn="1"/>
-        </p:nvPicPr>
-        <p:blipFill rotWithShape="1">
-          <a:blip r:embed="rId17"/>
-          <a:srcRect l="19546" r="22589"/>
-          <a:stretch/>
-        </p:blipFill>
-        <p:spPr>
-          <a:xfrm>
-            <a:off x="11927544" y="499752"/>
-            <a:ext cx="158750" cy="188992"/>
-          </a:xfrm>
-          <a:prstGeom prst="rect">
-            <a:avLst/>
-          </a:prstGeom>
-        </p:spPr>
-      </p:pic>
       <p:sp>
         <p:nvSpPr>
           <p:cNvPr id="2" name="Title Placeholder 1">
@@ -6033,7 +5944,7 @@
           <p:nvPr userDrawn="1"/>
         </p:nvPicPr>
         <p:blipFill rotWithShape="1">
-          <a:blip r:embed="rId18">
+          <a:blip r:embed="rId16">
             <a:extLst>
               <a:ext uri="{28A0092B-C50C-407E-A947-70E740481C1C}">
                 <a14:useLocalDpi xmlns:a14="http://schemas.microsoft.com/office/drawing/2010/main" val="0"/>
@@ -6053,6 +5964,212 @@
           </a:prstGeom>
         </p:spPr>
       </p:pic>
+      <p:pic>
+        <p:nvPicPr>
+          <p:cNvPr id="13" name="Picture 2">
+            <a:extLst>
+              <a:ext uri="{FF2B5EF4-FFF2-40B4-BE49-F238E27FC236}">
+                <a16:creationId xmlns:a16="http://schemas.microsoft.com/office/drawing/2014/main" id="{34EB08B0-3804-409B-8A2E-C14982B2ADF5}"/>
+              </a:ext>
+            </a:extLst>
+          </p:cNvPr>
+          <p:cNvPicPr>
+            <a:picLocks noChangeAspect="1" noChangeArrowheads="1"/>
+          </p:cNvPicPr>
+          <p:nvPr userDrawn="1"/>
+        </p:nvPicPr>
+        <p:blipFill>
+          <a:blip r:embed="rId17" cstate="print">
+            <a:extLst>
+              <a:ext uri="{BEBA8EAE-BF5A-486C-A8C5-ECC9F3942E4B}">
+                <a14:imgProps xmlns:a14="http://schemas.microsoft.com/office/drawing/2010/main">
+                  <a14:imgLayer r:embed="rId18">
+                    <a14:imgEffect>
+                      <a14:backgroundRemoval t="8280" b="89809" l="7505" r="89452">
+                        <a14:foregroundMark x1="11765" y1="60510" x2="22110" y2="29936"/>
+                        <a14:foregroundMark x1="15416" y1="18471" x2="13793" y2="61783"/>
+                        <a14:foregroundMark x1="8722" y1="29936" x2="9331" y2="54140"/>
+                        <a14:foregroundMark x1="7911" y1="33121" x2="9331" y2="56051"/>
+                        <a14:foregroundMark x1="7505" y1="43949" x2="10345" y2="57962"/>
+                        <a14:foregroundMark x1="7911" y1="51592" x2="7911" y2="51592"/>
+                        <a14:foregroundMark x1="8316" y1="53503" x2="8316" y2="54140"/>
+                        <a14:foregroundMark x1="9128" y1="57325" x2="9128" y2="57325"/>
+                        <a14:foregroundMark x1="22718" y1="25478" x2="22718" y2="25478"/>
+                        <a14:foregroundMark x1="7302" y1="76433" x2="9533" y2="75796"/>
+                        <a14:foregroundMark x1="35953" y1="33121" x2="37728" y2="29936"/>
+                        <a14:foregroundMark x1="47606" y1="56051" x2="47059" y2="61783"/>
+                        <a14:foregroundMark x1="47667" y1="55414" x2="47606" y2="56051"/>
+                        <a14:foregroundMark x1="47728" y1="54777" x2="47667" y2="55414"/>
+                        <a14:foregroundMark x1="48276" y1="49045" x2="47728" y2="54777"/>
+                        <a14:foregroundMark x1="56998" y1="61783" x2="67140" y2="61783"/>
+                        <a14:foregroundMark x1="75254" y1="36943" x2="75254" y2="59236"/>
+                        <a14:foregroundMark x1="74848" y1="25478" x2="74848" y2="25478"/>
+                        <a14:foregroundMark x1="82556" y1="41401" x2="87424" y2="61783"/>
+                        <a14:foregroundMark x1="58824" y1="59873" x2="58824" y2="59873"/>
+                        <a14:foregroundMark x1="59026" y1="60510" x2="59026" y2="60510"/>
+                        <a14:foregroundMark x1="58824" y1="61783" x2="58824" y2="61783"/>
+                        <a14:foregroundMark x1="59229" y1="60510" x2="59229" y2="60510"/>
+                        <a14:foregroundMark x1="59229" y1="60510" x2="59229" y2="60510"/>
+                        <a14:foregroundMark x1="8316" y1="29936" x2="22515" y2="59873"/>
+                        <a14:foregroundMark x1="22515" y1="59873" x2="8316" y2="29299"/>
+                        <a14:foregroundMark x1="8316" y1="73885" x2="9128" y2="72611"/>
+                        <a14:foregroundMark x1="30020" y1="47771" x2="30020" y2="47771"/>
+                        <a14:foregroundMark x1="34280" y1="38854" x2="34280" y2="38854"/>
+                        <a14:foregroundMark x1="34686" y1="44586" x2="34686" y2="44586"/>
+                        <a14:foregroundMark x1="34888" y1="44586" x2="34888" y2="44586"/>
+                        <a14:foregroundMark x1="34888" y1="45860" x2="34888" y2="45860"/>
+                        <a14:foregroundMark x1="34888" y1="42038" x2="34888" y2="42038"/>
+                        <a14:foregroundMark x1="34888" y1="32484" x2="34888" y2="32484"/>
+                        <a14:foregroundMark x1="34888" y1="34395" x2="34888" y2="34395"/>
+                        <a14:foregroundMark x1="34888" y1="33758" x2="34686" y2="46497"/>
+                        <a14:foregroundMark x1="34686" y1="33121" x2="34888" y2="36306"/>
+                        <a14:foregroundMark x1="34888" y1="45860" x2="34888" y2="47134"/>
+                        <a14:foregroundMark x1="34888" y1="47771" x2="35091" y2="48408"/>
+                        <a14:backgroundMark x1="47262" y1="54777" x2="47262" y2="54777"/>
+                        <a14:backgroundMark x1="47870" y1="54777" x2="47870" y2="54777"/>
+                        <a14:backgroundMark x1="47667" y1="55414" x2="47667" y2="55414"/>
+                        <a14:backgroundMark x1="47465" y1="56051" x2="47465" y2="56051"/>
+                        <a14:backgroundMark x1="59838" y1="61783" x2="59838" y2="61783"/>
+                        <a14:backgroundMark x1="59635" y1="60510" x2="59635" y2="60510"/>
+                        <a14:backgroundMark x1="59635" y1="61783" x2="59635" y2="61783"/>
+                        <a14:backgroundMark x1="65517" y1="55414" x2="65517" y2="55414"/>
+                        <a14:backgroundMark x1="65517" y1="61146" x2="65517" y2="61146"/>
+                        <a14:backgroundMark x1="65517" y1="61783" x2="65517" y2="61783"/>
+                        <a14:backgroundMark x1="65517" y1="61146" x2="65517" y2="61146"/>
+                        <a14:backgroundMark x1="65517" y1="61783" x2="65517" y2="61783"/>
+                        <a14:backgroundMark x1="65314" y1="61146" x2="65314" y2="61146"/>
+                        <a14:backgroundMark x1="59432" y1="61146" x2="59432" y2="61146"/>
+                        <a14:backgroundMark x1="8722" y1="71975" x2="8722" y2="71975"/>
+                        <a14:backgroundMark x1="9331" y1="71975" x2="9331" y2="71975"/>
+                        <a14:backgroundMark x1="9128" y1="71975" x2="9128" y2="71975"/>
+                        <a14:backgroundMark x1="8114" y1="72611" x2="8114" y2="72611"/>
+                        <a14:backgroundMark x1="35091" y1="48409" x2="35091" y2="50318"/>
+                      </a14:backgroundRemoval>
+                    </a14:imgEffect>
+                  </a14:imgLayer>
+                </a14:imgProps>
+              </a:ext>
+              <a:ext uri="{28A0092B-C50C-407E-A947-70E740481C1C}">
+                <a14:useLocalDpi xmlns:a14="http://schemas.microsoft.com/office/drawing/2010/main" val="0"/>
+              </a:ext>
+            </a:extLst>
+          </a:blip>
+          <a:srcRect/>
+          <a:stretch>
+            <a:fillRect/>
+          </a:stretch>
+        </p:blipFill>
+        <p:spPr bwMode="auto">
+          <a:xfrm>
+            <a:off x="9443258" y="21957"/>
+            <a:ext cx="2748742" cy="908049"/>
+          </a:xfrm>
+          <a:prstGeom prst="rect">
+            <a:avLst/>
+          </a:prstGeom>
+          <a:noFill/>
+          <a:ln>
+            <a:noFill/>
+          </a:ln>
+          <a:extLst>
+            <a:ext uri="{909E8E84-426E-40dd-AFC4-6F175D3DCCD1}">
+              <a14:hiddenFill xmlns:a14="http://schemas.microsoft.com/office/drawing/2010/main" xmlns="">
+                <a:solidFill>
+                  <a:schemeClr val="accent1"/>
+                </a:solidFill>
+              </a14:hiddenFill>
+            </a:ext>
+            <a:ext uri="{91240B29-F687-4f45-9708-019B960494DF}">
+              <a14:hiddenLine xmlns:a14="http://schemas.microsoft.com/office/drawing/2010/main" xmlns="" w="9525">
+                <a:solidFill>
+                  <a:schemeClr val="tx1"/>
+                </a:solidFill>
+                <a:miter lim="800000"/>
+                <a:headEnd/>
+                <a:tailEnd/>
+              </a14:hiddenLine>
+            </a:ext>
+          </a:extLst>
+        </p:spPr>
+      </p:pic>
+      <p:sp>
+        <p:nvSpPr>
+          <p:cNvPr id="14" name="TextBox 13">
+            <a:extLst>
+              <a:ext uri="{FF2B5EF4-FFF2-40B4-BE49-F238E27FC236}">
+                <a16:creationId xmlns:a16="http://schemas.microsoft.com/office/drawing/2014/main" id="{ABB88AC4-3EE3-4B00-BE9C-343678ED7CA5}"/>
+              </a:ext>
+            </a:extLst>
+          </p:cNvPr>
+          <p:cNvSpPr txBox="1"/>
+          <p:nvPr userDrawn="1"/>
+        </p:nvSpPr>
+        <p:spPr>
+          <a:xfrm>
+            <a:off x="10316993" y="614825"/>
+            <a:ext cx="1610551" cy="261610"/>
+          </a:xfrm>
+          <a:prstGeom prst="rect">
+            <a:avLst/>
+          </a:prstGeom>
+          <a:noFill/>
+        </p:spPr>
+        <p:txBody>
+          <a:bodyPr wrap="square" rtlCol="0">
+            <a:spAutoFit/>
+          </a:bodyPr>
+          <a:lstStyle/>
+          <a:p>
+            <a:r>
+              <a:rPr lang="en-ZA" sz="1100" dirty="0">
+                <a:solidFill>
+                  <a:schemeClr val="bg1"/>
+                </a:solidFill>
+              </a:rPr>
+              <a:t>Create | Evolve | Perfect</a:t>
+            </a:r>
+          </a:p>
+        </p:txBody>
+      </p:sp>
+      <p:sp>
+        <p:nvSpPr>
+          <p:cNvPr id="15" name="TextBox 14">
+            <a:extLst>
+              <a:ext uri="{FF2B5EF4-FFF2-40B4-BE49-F238E27FC236}">
+                <a16:creationId xmlns:a16="http://schemas.microsoft.com/office/drawing/2014/main" id="{4E46EF5B-817F-4C0F-844F-B82F5D922A18}"/>
+              </a:ext>
+            </a:extLst>
+          </p:cNvPr>
+          <p:cNvSpPr txBox="1"/>
+          <p:nvPr userDrawn="1"/>
+        </p:nvSpPr>
+        <p:spPr>
+          <a:xfrm>
+            <a:off x="11832867" y="533486"/>
+            <a:ext cx="333925" cy="169277"/>
+          </a:xfrm>
+          <a:prstGeom prst="rect">
+            <a:avLst/>
+          </a:prstGeom>
+          <a:noFill/>
+        </p:spPr>
+        <p:txBody>
+          <a:bodyPr wrap="square" rtlCol="0">
+            <a:spAutoFit/>
+          </a:bodyPr>
+          <a:lstStyle/>
+          <a:p>
+            <a:r>
+              <a:rPr lang="en-ZA" sz="500" b="1" dirty="0">
+                <a:solidFill>
+                  <a:schemeClr val="bg1"/>
+                </a:solidFill>
+              </a:rPr>
+              <a:t>TM</a:t>
+            </a:r>
+          </a:p>
+        </p:txBody>
+      </p:sp>
     </p:spTree>
     <p:extLst>
       <p:ext uri="{BB962C8B-B14F-4D97-AF65-F5344CB8AC3E}">
@@ -20724,14 +20841,14 @@
           </a:ln>
           <a:extLst>
             <a:ext uri="{909E8E84-426E-40dd-AFC4-6F175D3DCCD1}">
-              <a14:hiddenFill xmlns:a14="http://schemas.microsoft.com/office/drawing/2010/main" xmlns="">
+              <a14:hiddenFill xmlns="" xmlns:a14="http://schemas.microsoft.com/office/drawing/2010/main">
                 <a:solidFill>
                   <a:srgbClr val="FFFFFF"/>
                 </a:solidFill>
               </a14:hiddenFill>
             </a:ext>
             <a:ext uri="{91240B29-F687-4f45-9708-019B960494DF}">
-              <a14:hiddenLine xmlns:a14="http://schemas.microsoft.com/office/drawing/2010/main" xmlns="" w="9525">
+              <a14:hiddenLine xmlns="" xmlns:a14="http://schemas.microsoft.com/office/drawing/2010/main" w="9525">
                 <a:solidFill>
                   <a:srgbClr val="000000"/>
                 </a:solidFill>
@@ -20882,14 +20999,14 @@
           </a:ln>
           <a:extLst>
             <a:ext uri="{909E8E84-426E-40dd-AFC4-6F175D3DCCD1}">
-              <a14:hiddenFill xmlns:a14="http://schemas.microsoft.com/office/drawing/2010/main" xmlns="">
+              <a14:hiddenFill xmlns="" xmlns:a14="http://schemas.microsoft.com/office/drawing/2010/main">
                 <a:solidFill>
                   <a:srgbClr val="FFFFFF"/>
                 </a:solidFill>
               </a14:hiddenFill>
             </a:ext>
             <a:ext uri="{91240B29-F687-4f45-9708-019B960494DF}">
-              <a14:hiddenLine xmlns:a14="http://schemas.microsoft.com/office/drawing/2010/main" xmlns="" w="9525">
+              <a14:hiddenLine xmlns="" xmlns:a14="http://schemas.microsoft.com/office/drawing/2010/main" w="9525">
                 <a:solidFill>
                   <a:srgbClr val="000000"/>
                 </a:solidFill>
@@ -22924,21 +23041,6 @@
 </file>
 
 <file path=customXml/item1.xml><?xml version="1.0" encoding="utf-8"?>
-<p:properties xmlns:p="http://schemas.microsoft.com/office/2006/metadata/properties" xmlns:xsi="http://www.w3.org/2001/XMLSchema-instance" xmlns:pc="http://schemas.microsoft.com/office/infopath/2007/PartnerControls">
-  <documentManagement/>
-</p:properties>
-</file>
-
-<file path=customXml/item2.xml><?xml version="1.0" encoding="utf-8"?>
-<?mso-contentType ?>
-<FormTemplates xmlns="http://schemas.microsoft.com/sharepoint/v3/contenttype/forms">
-  <Display>DocumentLibraryForm</Display>
-  <Edit>DocumentLibraryForm</Edit>
-  <New>DocumentLibraryForm</New>
-</FormTemplates>
-</file>
-
-<file path=customXml/item3.xml><?xml version="1.0" encoding="utf-8"?>
 <ct:contentTypeSchema xmlns:ct="http://schemas.microsoft.com/office/2006/metadata/contentType" xmlns:ma="http://schemas.microsoft.com/office/2006/metadata/properties/metaAttributes" ct:_="" ma:_="" ma:contentTypeName="Document" ma:contentTypeID="0x0101001F513751AC33344AB32CFD2920EFE649" ma:contentTypeVersion="11" ma:contentTypeDescription="Create a new document." ma:contentTypeScope="" ma:versionID="683516f7d70434a0e4dbd6c476be8d5b">
   <xsd:schema xmlns:xsd="http://www.w3.org/2001/XMLSchema" xmlns:xs="http://www.w3.org/2001/XMLSchema" xmlns:p="http://schemas.microsoft.com/office/2006/metadata/properties" xmlns:ns2="72e3a154-4955-46c3-9573-e9dec3e1f195" xmlns:ns3="ec500478-62e0-46fc-87f1-cfa988e486b4" targetNamespace="http://schemas.microsoft.com/office/2006/metadata/properties" ma:root="true" ma:fieldsID="cf4a15c6a1eec5dbba94230cc6a50510" ns2:_="" ns3:_="">
     <xsd:import namespace="72e3a154-4955-46c3-9573-e9dec3e1f195"/>
@@ -23149,7 +23251,41 @@
 </ct:contentTypeSchema>
 </file>
 
+<file path=customXml/item2.xml><?xml version="1.0" encoding="utf-8"?>
+<p:properties xmlns:p="http://schemas.microsoft.com/office/2006/metadata/properties" xmlns:xsi="http://www.w3.org/2001/XMLSchema-instance" xmlns:pc="http://schemas.microsoft.com/office/infopath/2007/PartnerControls">
+  <documentManagement/>
+</p:properties>
+</file>
+
+<file path=customXml/item3.xml><?xml version="1.0" encoding="utf-8"?>
+<?mso-contentType ?>
+<FormTemplates xmlns="http://schemas.microsoft.com/sharepoint/v3/contenttype/forms">
+  <Display>DocumentLibraryForm</Display>
+  <Edit>DocumentLibraryForm</Edit>
+  <New>DocumentLibraryForm</New>
+</FormTemplates>
+</file>
+
 <file path=customXml/itemProps1.xml><?xml version="1.0" encoding="utf-8"?>
+<ds:datastoreItem xmlns:ds="http://schemas.openxmlformats.org/officeDocument/2006/customXml" ds:itemID="{CBD4B3B2-3D3C-4F85-B2D6-F89B005D67E0}">
+  <ds:schemaRefs>
+    <ds:schemaRef ds:uri="http://schemas.microsoft.com/office/2006/metadata/contentType"/>
+    <ds:schemaRef ds:uri="http://schemas.microsoft.com/office/2006/metadata/properties/metaAttributes"/>
+    <ds:schemaRef ds:uri="http://www.w3.org/2001/XMLSchema"/>
+    <ds:schemaRef ds:uri="http://schemas.microsoft.com/office/2006/metadata/properties"/>
+    <ds:schemaRef ds:uri="72e3a154-4955-46c3-9573-e9dec3e1f195"/>
+    <ds:schemaRef ds:uri="ec500478-62e0-46fc-87f1-cfa988e486b4"/>
+    <ds:schemaRef ds:uri="http://schemas.microsoft.com/office/2006/documentManagement/types"/>
+    <ds:schemaRef ds:uri="http://schemas.microsoft.com/office/infopath/2007/PartnerControls"/>
+    <ds:schemaRef ds:uri="http://schemas.openxmlformats.org/package/2006/metadata/core-properties"/>
+    <ds:schemaRef ds:uri="http://purl.org/dc/elements/1.1/"/>
+    <ds:schemaRef ds:uri="http://purl.org/dc/terms/"/>
+    <ds:schemaRef ds:uri="http://schemas.microsoft.com/internal/obd"/>
+  </ds:schemaRefs>
+</ds:datastoreItem>
+</file>
+
+<file path=customXml/itemProps2.xml><?xml version="1.0" encoding="utf-8"?>
 <ds:datastoreItem xmlns:ds="http://schemas.openxmlformats.org/officeDocument/2006/customXml" ds:itemID="{5F07B0D7-F930-4230-933E-ABA84959494E}">
   <ds:schemaRefs>
     <ds:schemaRef ds:uri="http://purl.org/dc/elements/1.1/"/>
@@ -23166,29 +23302,10 @@
 </ds:datastoreItem>
 </file>
 
-<file path=customXml/itemProps2.xml><?xml version="1.0" encoding="utf-8"?>
+<file path=customXml/itemProps3.xml><?xml version="1.0" encoding="utf-8"?>
 <ds:datastoreItem xmlns:ds="http://schemas.openxmlformats.org/officeDocument/2006/customXml" ds:itemID="{B8B49826-D5EE-4D24-B649-7C3A19B527D2}">
   <ds:schemaRefs>
     <ds:schemaRef ds:uri="http://schemas.microsoft.com/sharepoint/v3/contenttype/forms"/>
   </ds:schemaRefs>
 </ds:datastoreItem>
-</file>
-
-<file path=customXml/itemProps3.xml><?xml version="1.0" encoding="utf-8"?>
-<ds:datastoreItem xmlns:ds="http://schemas.openxmlformats.org/officeDocument/2006/customXml" ds:itemID="{CBD4B3B2-3D3C-4F85-B2D6-F89B005D67E0}">
-  <ds:schemaRefs>
-    <ds:schemaRef ds:uri="http://schemas.microsoft.com/office/2006/metadata/contentType"/>
-    <ds:schemaRef ds:uri="http://schemas.microsoft.com/office/2006/metadata/properties/metaAttributes"/>
-    <ds:schemaRef ds:uri="http://www.w3.org/2001/XMLSchema"/>
-    <ds:schemaRef ds:uri="http://schemas.microsoft.com/office/2006/metadata/properties"/>
-    <ds:schemaRef ds:uri="72e3a154-4955-46c3-9573-e9dec3e1f195"/>
-    <ds:schemaRef ds:uri="ec500478-62e0-46fc-87f1-cfa988e486b4"/>
-    <ds:schemaRef ds:uri="http://schemas.microsoft.com/office/2006/documentManagement/types"/>
-    <ds:schemaRef ds:uri="http://schemas.microsoft.com/office/infopath/2007/PartnerControls"/>
-    <ds:schemaRef ds:uri="http://schemas.openxmlformats.org/package/2006/metadata/core-properties"/>
-    <ds:schemaRef ds:uri="http://purl.org/dc/elements/1.1/"/>
-    <ds:schemaRef ds:uri="http://purl.org/dc/terms/"/>
-    <ds:schemaRef ds:uri="http://schemas.microsoft.com/internal/obd"/>
-  </ds:schemaRefs>
-</ds:datastoreItem>
 </file>